--- a/Unity – Single player platform game.pptx
+++ b/Unity – Single player platform game.pptx
@@ -109,6 +109,11 @@
       </a:defRPr>
     </a:lvl9pPr>
   </p:defaultTextStyle>
+  <p:extLst>
+    <p:ext uri="{EFAFB233-063F-42B5-8137-9DF3F51BA10A}">
+      <p15:sldGuideLst xmlns:p15="http://schemas.microsoft.com/office/powerpoint/2012/main"/>
+    </p:ext>
+  </p:extLst>
 </p:presentation>
 </file>
 
@@ -251,7 +256,7 @@
           <a:p>
             <a:fld id="{48A87A34-81AB-432B-8DAE-1953F412C126}" type="datetimeFigureOut">
               <a:rPr lang="en-US" smtClean="0"/>
-              <a:t>6/14/2018</a:t>
+              <a:t>6/17/2018</a:t>
             </a:fld>
             <a:endParaRPr lang="en-US" dirty="0"/>
           </a:p>
@@ -303,7 +308,7 @@
           <a:p>
             <a:fld id="{6D22F896-40B5-4ADD-8801-0D06FADFA095}" type="slidenum">
               <a:rPr lang="en-US" smtClean="0"/>
-              <a:t>‹nr.›</a:t>
+              <a:t>‹#›</a:t>
             </a:fld>
             <a:endParaRPr lang="en-US" dirty="0"/>
           </a:p>
@@ -431,7 +436,7 @@
           <a:p>
             <a:fld id="{48A87A34-81AB-432B-8DAE-1953F412C126}" type="datetimeFigureOut">
               <a:rPr lang="en-US" smtClean="0"/>
-              <a:t>6/14/2018</a:t>
+              <a:t>6/17/2018</a:t>
             </a:fld>
             <a:endParaRPr lang="en-US" dirty="0"/>
           </a:p>
@@ -473,7 +478,7 @@
           <a:p>
             <a:fld id="{6D22F896-40B5-4ADD-8801-0D06FADFA095}" type="slidenum">
               <a:rPr lang="en-US" smtClean="0"/>
-              <a:t>‹nr.›</a:t>
+              <a:t>‹#›</a:t>
             </a:fld>
             <a:endParaRPr lang="en-US" dirty="0"/>
           </a:p>
@@ -615,7 +620,7 @@
           <a:p>
             <a:fld id="{48A87A34-81AB-432B-8DAE-1953F412C126}" type="datetimeFigureOut">
               <a:rPr lang="en-US" smtClean="0"/>
-              <a:t>6/14/2018</a:t>
+              <a:t>6/17/2018</a:t>
             </a:fld>
             <a:endParaRPr lang="en-US" dirty="0"/>
           </a:p>
@@ -657,7 +662,7 @@
           <a:p>
             <a:fld id="{6D22F896-40B5-4ADD-8801-0D06FADFA095}" type="slidenum">
               <a:rPr lang="en-US" smtClean="0"/>
-              <a:t>‹nr.›</a:t>
+              <a:t>‹#›</a:t>
             </a:fld>
             <a:endParaRPr lang="en-US" dirty="0"/>
           </a:p>
@@ -785,7 +790,7 @@
           <a:p>
             <a:fld id="{48A87A34-81AB-432B-8DAE-1953F412C126}" type="datetimeFigureOut">
               <a:rPr lang="en-US" smtClean="0"/>
-              <a:t>6/14/2018</a:t>
+              <a:t>6/17/2018</a:t>
             </a:fld>
             <a:endParaRPr lang="en-US" dirty="0"/>
           </a:p>
@@ -827,7 +832,7 @@
           <a:p>
             <a:fld id="{6D22F896-40B5-4ADD-8801-0D06FADFA095}" type="slidenum">
               <a:rPr lang="en-US" smtClean="0"/>
-              <a:t>‹nr.›</a:t>
+              <a:t>‹#›</a:t>
             </a:fld>
             <a:endParaRPr lang="en-US" dirty="0"/>
           </a:p>
@@ -1033,7 +1038,7 @@
           <a:p>
             <a:fld id="{48A87A34-81AB-432B-8DAE-1953F412C126}" type="datetimeFigureOut">
               <a:rPr lang="en-US" smtClean="0"/>
-              <a:t>6/14/2018</a:t>
+              <a:t>6/17/2018</a:t>
             </a:fld>
             <a:endParaRPr lang="en-US" dirty="0"/>
           </a:p>
@@ -1075,7 +1080,7 @@
           <a:p>
             <a:fld id="{6D22F896-40B5-4ADD-8801-0D06FADFA095}" type="slidenum">
               <a:rPr lang="en-US" smtClean="0"/>
-              <a:t>‹nr.›</a:t>
+              <a:t>‹#›</a:t>
             </a:fld>
             <a:endParaRPr lang="en-US" dirty="0"/>
           </a:p>
@@ -1270,7 +1275,7 @@
           <a:p>
             <a:fld id="{48A87A34-81AB-432B-8DAE-1953F412C126}" type="datetimeFigureOut">
               <a:rPr lang="en-US" smtClean="0"/>
-              <a:t>6/14/2018</a:t>
+              <a:t>6/17/2018</a:t>
             </a:fld>
             <a:endParaRPr lang="en-US" dirty="0"/>
           </a:p>
@@ -1312,7 +1317,7 @@
           <a:p>
             <a:fld id="{6D22F896-40B5-4ADD-8801-0D06FADFA095}" type="slidenum">
               <a:rPr lang="en-US" smtClean="0"/>
-              <a:t>‹nr.›</a:t>
+              <a:t>‹#›</a:t>
             </a:fld>
             <a:endParaRPr lang="en-US" dirty="0"/>
           </a:p>
@@ -1655,7 +1660,7 @@
           <a:p>
             <a:fld id="{48A87A34-81AB-432B-8DAE-1953F412C126}" type="datetimeFigureOut">
               <a:rPr lang="en-US" smtClean="0"/>
-              <a:t>6/14/2018</a:t>
+              <a:t>6/17/2018</a:t>
             </a:fld>
             <a:endParaRPr lang="en-US" dirty="0"/>
           </a:p>
@@ -1697,7 +1702,7 @@
           <a:p>
             <a:fld id="{6D22F896-40B5-4ADD-8801-0D06FADFA095}" type="slidenum">
               <a:rPr lang="en-US" smtClean="0"/>
-              <a:t>‹nr.›</a:t>
+              <a:t>‹#›</a:t>
             </a:fld>
             <a:endParaRPr lang="en-US" dirty="0"/>
           </a:p>
@@ -1773,7 +1778,7 @@
           <a:p>
             <a:fld id="{48A87A34-81AB-432B-8DAE-1953F412C126}" type="datetimeFigureOut">
               <a:rPr lang="en-US" smtClean="0"/>
-              <a:t>6/14/2018</a:t>
+              <a:t>6/17/2018</a:t>
             </a:fld>
             <a:endParaRPr lang="en-US" dirty="0"/>
           </a:p>
@@ -1815,7 +1820,7 @@
           <a:p>
             <a:fld id="{6D22F896-40B5-4ADD-8801-0D06FADFA095}" type="slidenum">
               <a:rPr lang="en-US" smtClean="0"/>
-              <a:t>‹nr.›</a:t>
+              <a:t>‹#›</a:t>
             </a:fld>
             <a:endParaRPr lang="en-US" dirty="0"/>
           </a:p>
@@ -1868,7 +1873,7 @@
           <a:p>
             <a:fld id="{48A87A34-81AB-432B-8DAE-1953F412C126}" type="datetimeFigureOut">
               <a:rPr lang="en-US" smtClean="0"/>
-              <a:t>6/14/2018</a:t>
+              <a:t>6/17/2018</a:t>
             </a:fld>
             <a:endParaRPr lang="en-US" dirty="0"/>
           </a:p>
@@ -1910,7 +1915,7 @@
           <a:p>
             <a:fld id="{6D22F896-40B5-4ADD-8801-0D06FADFA095}" type="slidenum">
               <a:rPr lang="en-US" smtClean="0"/>
-              <a:t>‹nr.›</a:t>
+              <a:t>‹#›</a:t>
             </a:fld>
             <a:endParaRPr lang="en-US" dirty="0"/>
           </a:p>
@@ -2119,7 +2124,7 @@
           <a:p>
             <a:fld id="{48A87A34-81AB-432B-8DAE-1953F412C126}" type="datetimeFigureOut">
               <a:rPr lang="en-US" smtClean="0"/>
-              <a:t>6/14/2018</a:t>
+              <a:t>6/17/2018</a:t>
             </a:fld>
             <a:endParaRPr lang="en-US" dirty="0"/>
           </a:p>
@@ -2161,7 +2166,7 @@
           <a:p>
             <a:fld id="{6D22F896-40B5-4ADD-8801-0D06FADFA095}" type="slidenum">
               <a:rPr lang="en-US" smtClean="0"/>
-              <a:t>‹nr.›</a:t>
+              <a:t>‹#›</a:t>
             </a:fld>
             <a:endParaRPr lang="en-US" dirty="0"/>
           </a:p>
@@ -2511,7 +2516,7 @@
             <a:fld id="{48A87A34-81AB-432B-8DAE-1953F412C126}" type="datetimeFigureOut">
               <a:rPr lang="en-US" smtClean="0"/>
               <a:pPr/>
-              <a:t>6/14/2018</a:t>
+              <a:t>6/17/2018</a:t>
             </a:fld>
             <a:endParaRPr lang="en-US" dirty="0"/>
           </a:p>
@@ -2558,7 +2563,7 @@
           <a:p>
             <a:fld id="{6D22F896-40B5-4ADD-8801-0D06FADFA095}" type="slidenum">
               <a:rPr lang="en-US" smtClean="0"/>
-              <a:t>‹nr.›</a:t>
+              <a:t>‹#›</a:t>
             </a:fld>
             <a:endParaRPr lang="en-US" dirty="0"/>
           </a:p>
@@ -2729,7 +2734,7 @@
             <a:fld id="{48A87A34-81AB-432B-8DAE-1953F412C126}" type="datetimeFigureOut">
               <a:rPr lang="en-US" smtClean="0"/>
               <a:pPr/>
-              <a:t>6/14/2018</a:t>
+              <a:t>6/17/2018</a:t>
             </a:fld>
             <a:endParaRPr lang="en-US" dirty="0"/>
           </a:p>
@@ -2806,7 +2811,7 @@
             <a:fld id="{6D22F896-40B5-4ADD-8801-0D06FADFA095}" type="slidenum">
               <a:rPr lang="en-US" smtClean="0"/>
               <a:pPr/>
-              <a:t>‹nr.›</a:t>
+              <a:t>‹#›</a:t>
             </a:fld>
             <a:endParaRPr lang="en-US" dirty="0"/>
           </a:p>
@@ -3824,14 +3829,23 @@
           <a:p>
             <a:r>
               <a:rPr lang="da-DK" dirty="0"/>
-              <a:t>For meget spildtid </a:t>
-            </a:r>
-          </a:p>
-          <a:p>
+              <a:t>Forvirring omkring valg af emne (Lobby, Network(</a:t>
+            </a:r>
+            <a:r>
+              <a:rPr lang="da-DK" dirty="0" err="1"/>
+              <a:t>unet</a:t>
+            </a:r>
             <a:r>
               <a:rPr lang="da-DK" dirty="0"/>
-              <a:t>Flere features</a:t>
-            </a:r>
+              <a:t>)). </a:t>
+            </a:r>
+          </a:p>
+          <a:p>
+            <a:r>
+              <a:rPr lang="da-DK"/>
+              <a:t>Flere features.</a:t>
+            </a:r>
+            <a:endParaRPr lang="da-DK" dirty="0"/>
           </a:p>
           <a:p>
             <a:endParaRPr lang="da-DK" dirty="0"/>
